--- a/studio/treemap/treemap.pptx
+++ b/studio/treemap/treemap.pptx
@@ -244,7 +244,7 @@
           <a:p>
             <a:fld id="{F343DD58-98A9-1E43-9FC8-279BB0ACB5E5}" type="datetimeFigureOut">
               <a:rPr kumimoji="1" lang="ko-KR" altLang="en-US" smtClean="0"/>
-              <a:t>2020. 1. 30.</a:t>
+              <a:t>2020. 1. 31.</a:t>
             </a:fld>
             <a:endParaRPr kumimoji="1" lang="ko-KR" altLang="en-US"/>
           </a:p>
@@ -826,7 +826,7 @@
           <a:p>
             <a:fld id="{1718DD9D-2652-2540-9821-BD5C2CDAB232}" type="datetimeFigureOut">
               <a:rPr kumimoji="1" lang="ko-KR" altLang="en-US" smtClean="0"/>
-              <a:t>2020. 1. 30.</a:t>
+              <a:t>2020. 1. 31.</a:t>
             </a:fld>
             <a:endParaRPr kumimoji="1" lang="ko-KR" altLang="en-US"/>
           </a:p>
@@ -1024,7 +1024,7 @@
           <a:p>
             <a:fld id="{1718DD9D-2652-2540-9821-BD5C2CDAB232}" type="datetimeFigureOut">
               <a:rPr kumimoji="1" lang="ko-KR" altLang="en-US" smtClean="0"/>
-              <a:t>2020. 1. 30.</a:t>
+              <a:t>2020. 1. 31.</a:t>
             </a:fld>
             <a:endParaRPr kumimoji="1" lang="ko-KR" altLang="en-US"/>
           </a:p>
@@ -1232,7 +1232,7 @@
           <a:p>
             <a:fld id="{1718DD9D-2652-2540-9821-BD5C2CDAB232}" type="datetimeFigureOut">
               <a:rPr kumimoji="1" lang="ko-KR" altLang="en-US" smtClean="0"/>
-              <a:t>2020. 1. 30.</a:t>
+              <a:t>2020. 1. 31.</a:t>
             </a:fld>
             <a:endParaRPr kumimoji="1" lang="ko-KR" altLang="en-US"/>
           </a:p>
@@ -1430,7 +1430,7 @@
           <a:p>
             <a:fld id="{1718DD9D-2652-2540-9821-BD5C2CDAB232}" type="datetimeFigureOut">
               <a:rPr kumimoji="1" lang="ko-KR" altLang="en-US" smtClean="0"/>
-              <a:t>2020. 1. 30.</a:t>
+              <a:t>2020. 1. 31.</a:t>
             </a:fld>
             <a:endParaRPr kumimoji="1" lang="ko-KR" altLang="en-US"/>
           </a:p>
@@ -1705,7 +1705,7 @@
           <a:p>
             <a:fld id="{1718DD9D-2652-2540-9821-BD5C2CDAB232}" type="datetimeFigureOut">
               <a:rPr kumimoji="1" lang="ko-KR" altLang="en-US" smtClean="0"/>
-              <a:t>2020. 1. 30.</a:t>
+              <a:t>2020. 1. 31.</a:t>
             </a:fld>
             <a:endParaRPr kumimoji="1" lang="ko-KR" altLang="en-US"/>
           </a:p>
@@ -1970,7 +1970,7 @@
           <a:p>
             <a:fld id="{1718DD9D-2652-2540-9821-BD5C2CDAB232}" type="datetimeFigureOut">
               <a:rPr kumimoji="1" lang="ko-KR" altLang="en-US" smtClean="0"/>
-              <a:t>2020. 1. 30.</a:t>
+              <a:t>2020. 1. 31.</a:t>
             </a:fld>
             <a:endParaRPr kumimoji="1" lang="ko-KR" altLang="en-US"/>
           </a:p>
@@ -2382,7 +2382,7 @@
           <a:p>
             <a:fld id="{1718DD9D-2652-2540-9821-BD5C2CDAB232}" type="datetimeFigureOut">
               <a:rPr kumimoji="1" lang="ko-KR" altLang="en-US" smtClean="0"/>
-              <a:t>2020. 1. 30.</a:t>
+              <a:t>2020. 1. 31.</a:t>
             </a:fld>
             <a:endParaRPr kumimoji="1" lang="ko-KR" altLang="en-US"/>
           </a:p>
@@ -2523,7 +2523,7 @@
           <a:p>
             <a:fld id="{1718DD9D-2652-2540-9821-BD5C2CDAB232}" type="datetimeFigureOut">
               <a:rPr kumimoji="1" lang="ko-KR" altLang="en-US" smtClean="0"/>
-              <a:t>2020. 1. 30.</a:t>
+              <a:t>2020. 1. 31.</a:t>
             </a:fld>
             <a:endParaRPr kumimoji="1" lang="ko-KR" altLang="en-US"/>
           </a:p>
@@ -2636,7 +2636,7 @@
           <a:p>
             <a:fld id="{1718DD9D-2652-2540-9821-BD5C2CDAB232}" type="datetimeFigureOut">
               <a:rPr kumimoji="1" lang="ko-KR" altLang="en-US" smtClean="0"/>
-              <a:t>2020. 1. 30.</a:t>
+              <a:t>2020. 1. 31.</a:t>
             </a:fld>
             <a:endParaRPr kumimoji="1" lang="ko-KR" altLang="en-US"/>
           </a:p>
@@ -2947,7 +2947,7 @@
           <a:p>
             <a:fld id="{1718DD9D-2652-2540-9821-BD5C2CDAB232}" type="datetimeFigureOut">
               <a:rPr kumimoji="1" lang="ko-KR" altLang="en-US" smtClean="0"/>
-              <a:t>2020. 1. 30.</a:t>
+              <a:t>2020. 1. 31.</a:t>
             </a:fld>
             <a:endParaRPr kumimoji="1" lang="ko-KR" altLang="en-US"/>
           </a:p>
@@ -3235,7 +3235,7 @@
           <a:p>
             <a:fld id="{1718DD9D-2652-2540-9821-BD5C2CDAB232}" type="datetimeFigureOut">
               <a:rPr kumimoji="1" lang="ko-KR" altLang="en-US" smtClean="0"/>
-              <a:t>2020. 1. 30.</a:t>
+              <a:t>2020. 1. 31.</a:t>
             </a:fld>
             <a:endParaRPr kumimoji="1" lang="ko-KR" altLang="en-US"/>
           </a:p>
@@ -3476,7 +3476,7 @@
           <a:p>
             <a:fld id="{1718DD9D-2652-2540-9821-BD5C2CDAB232}" type="datetimeFigureOut">
               <a:rPr kumimoji="1" lang="ko-KR" altLang="en-US" smtClean="0"/>
-              <a:t>2020. 1. 30.</a:t>
+              <a:t>2020. 1. 31.</a:t>
             </a:fld>
             <a:endParaRPr kumimoji="1" lang="ko-KR" altLang="en-US"/>
           </a:p>
@@ -4112,7 +4112,7 @@
         <p:spPr>
           <a:xfrm>
             <a:off x="777765" y="1164041"/>
-            <a:ext cx="4320000" cy="3960697"/>
+            <a:ext cx="2880000" cy="2640465"/>
           </a:xfrm>
           <a:prstGeom prst="rect">
             <a:avLst/>
@@ -5455,7 +5455,7 @@
         <p:spPr>
           <a:xfrm>
             <a:off x="461472" y="1025495"/>
-            <a:ext cx="4320000" cy="4038712"/>
+            <a:ext cx="2880000" cy="2692474"/>
           </a:xfrm>
           <a:prstGeom prst="rect">
             <a:avLst/>
